--- a/document/ppt/Hi Snack! 페이지 구성.pptx
+++ b/document/ppt/Hi Snack! 페이지 구성.pptx
@@ -11,7 +11,6 @@
     <p:sldId id="259" r:id="rId5"/>
     <p:sldId id="260" r:id="rId6"/>
     <p:sldId id="266" r:id="rId7"/>
-    <p:sldId id="269" r:id="rId8"/>
   </p:sldIdLst>
   <p:sldSz cx="12192000" cy="6858000"/>
   <p:notesSz cx="6858000" cy="9144000"/>
@@ -265,7 +264,7 @@
           <a:p>
             <a:fld id="{A7ED0D47-21D1-4F27-8067-E72377D9E3EB}" type="datetimeFigureOut">
               <a:rPr lang="ko-KR" altLang="en-US" smtClean="0"/>
-              <a:t>2022-03-16-(Wed)</a:t>
+              <a:t>2022-03-17-(Thu)</a:t>
             </a:fld>
             <a:endParaRPr lang="ko-KR" altLang="en-US"/>
           </a:p>
@@ -463,7 +462,7 @@
           <a:p>
             <a:fld id="{A7ED0D47-21D1-4F27-8067-E72377D9E3EB}" type="datetimeFigureOut">
               <a:rPr lang="ko-KR" altLang="en-US" smtClean="0"/>
-              <a:t>2022-03-16-(Wed)</a:t>
+              <a:t>2022-03-17-(Thu)</a:t>
             </a:fld>
             <a:endParaRPr lang="ko-KR" altLang="en-US"/>
           </a:p>
@@ -671,7 +670,7 @@
           <a:p>
             <a:fld id="{A7ED0D47-21D1-4F27-8067-E72377D9E3EB}" type="datetimeFigureOut">
               <a:rPr lang="ko-KR" altLang="en-US" smtClean="0"/>
-              <a:t>2022-03-16-(Wed)</a:t>
+              <a:t>2022-03-17-(Thu)</a:t>
             </a:fld>
             <a:endParaRPr lang="ko-KR" altLang="en-US"/>
           </a:p>
@@ -1222,7 +1221,7 @@
           <a:p>
             <a:fld id="{A7ED0D47-21D1-4F27-8067-E72377D9E3EB}" type="datetimeFigureOut">
               <a:rPr lang="ko-KR" altLang="en-US" smtClean="0"/>
-              <a:t>2022-03-16-(Wed)</a:t>
+              <a:t>2022-03-17-(Thu)</a:t>
             </a:fld>
             <a:endParaRPr lang="ko-KR" altLang="en-US"/>
           </a:p>
@@ -1487,7 +1486,7 @@
           <a:p>
             <a:fld id="{A7ED0D47-21D1-4F27-8067-E72377D9E3EB}" type="datetimeFigureOut">
               <a:rPr lang="ko-KR" altLang="en-US" smtClean="0"/>
-              <a:t>2022-03-16-(Wed)</a:t>
+              <a:t>2022-03-17-(Thu)</a:t>
             </a:fld>
             <a:endParaRPr lang="ko-KR" altLang="en-US"/>
           </a:p>
@@ -1899,7 +1898,7 @@
           <a:p>
             <a:fld id="{A7ED0D47-21D1-4F27-8067-E72377D9E3EB}" type="datetimeFigureOut">
               <a:rPr lang="ko-KR" altLang="en-US" smtClean="0"/>
-              <a:t>2022-03-16-(Wed)</a:t>
+              <a:t>2022-03-17-(Thu)</a:t>
             </a:fld>
             <a:endParaRPr lang="ko-KR" altLang="en-US"/>
           </a:p>
@@ -2040,7 +2039,7 @@
           <a:p>
             <a:fld id="{A7ED0D47-21D1-4F27-8067-E72377D9E3EB}" type="datetimeFigureOut">
               <a:rPr lang="ko-KR" altLang="en-US" smtClean="0"/>
-              <a:t>2022-03-16-(Wed)</a:t>
+              <a:t>2022-03-17-(Thu)</a:t>
             </a:fld>
             <a:endParaRPr lang="ko-KR" altLang="en-US"/>
           </a:p>
@@ -2153,7 +2152,7 @@
           <a:p>
             <a:fld id="{A7ED0D47-21D1-4F27-8067-E72377D9E3EB}" type="datetimeFigureOut">
               <a:rPr lang="ko-KR" altLang="en-US" smtClean="0"/>
-              <a:t>2022-03-16-(Wed)</a:t>
+              <a:t>2022-03-17-(Thu)</a:t>
             </a:fld>
             <a:endParaRPr lang="ko-KR" altLang="en-US"/>
           </a:p>
@@ -2464,7 +2463,7 @@
           <a:p>
             <a:fld id="{A7ED0D47-21D1-4F27-8067-E72377D9E3EB}" type="datetimeFigureOut">
               <a:rPr lang="ko-KR" altLang="en-US" smtClean="0"/>
-              <a:t>2022-03-16-(Wed)</a:t>
+              <a:t>2022-03-17-(Thu)</a:t>
             </a:fld>
             <a:endParaRPr lang="ko-KR" altLang="en-US"/>
           </a:p>
@@ -2752,7 +2751,7 @@
           <a:p>
             <a:fld id="{A7ED0D47-21D1-4F27-8067-E72377D9E3EB}" type="datetimeFigureOut">
               <a:rPr lang="ko-KR" altLang="en-US" smtClean="0"/>
-              <a:t>2022-03-16-(Wed)</a:t>
+              <a:t>2022-03-17-(Thu)</a:t>
             </a:fld>
             <a:endParaRPr lang="ko-KR" altLang="en-US"/>
           </a:p>
@@ -2993,7 +2992,7 @@
           <a:p>
             <a:fld id="{A7ED0D47-21D1-4F27-8067-E72377D9E3EB}" type="datetimeFigureOut">
               <a:rPr lang="ko-KR" altLang="en-US" smtClean="0"/>
-              <a:t>2022-03-16-(Wed)</a:t>
+              <a:t>2022-03-17-(Thu)</a:t>
             </a:fld>
             <a:endParaRPr lang="ko-KR" altLang="en-US"/>
           </a:p>
@@ -4208,8 +4207,8 @@
         </p:nvSpPr>
         <p:spPr>
           <a:xfrm>
-            <a:off x="4967134" y="4681978"/>
-            <a:ext cx="5458546" cy="369332"/>
+            <a:off x="4873201" y="4799624"/>
+            <a:ext cx="3028393" cy="369332"/>
           </a:xfrm>
           <a:prstGeom prst="rect">
             <a:avLst/>
@@ -4224,39 +4223,23 @@
           <a:p>
             <a:r>
               <a:rPr lang="ko-KR" altLang="en-US"/>
-              <a:t>예시</a:t>
+              <a:t>선호하는 태그</a:t>
             </a:r>
             <a:r>
               <a:rPr lang="en-US" altLang="ko-KR"/>
-              <a:t>) </a:t>
-            </a:r>
-            <a:r>
-              <a:rPr lang="ko-KR" altLang="en-US"/>
-              <a:t>과자가 </a:t>
+              <a:t>(</a:t>
+            </a:r>
+            <a:r>
+              <a:rPr lang="ko-KR" altLang="en-US"/>
+              <a:t>키워드</a:t>
             </a:r>
             <a:r>
               <a:rPr lang="en-US" altLang="ko-KR"/>
-              <a:t>10</a:t>
-            </a:r>
-            <a:r>
-              <a:rPr lang="ko-KR" altLang="en-US"/>
-              <a:t>개 들어간거</a:t>
-            </a:r>
-            <a:r>
-              <a:rPr lang="en-US" altLang="ko-KR"/>
-              <a:t>, </a:t>
-            </a:r>
-            <a:r>
-              <a:rPr lang="ko-KR" altLang="en-US"/>
-              <a:t>과자가 </a:t>
-            </a:r>
-            <a:r>
-              <a:rPr lang="en-US" altLang="ko-KR"/>
-              <a:t>20</a:t>
-            </a:r>
-            <a:r>
-              <a:rPr lang="ko-KR" altLang="en-US"/>
-              <a:t>개 들어간거</a:t>
+              <a:t>)</a:t>
+            </a:r>
+            <a:r>
+              <a:rPr lang="ko-KR" altLang="en-US"/>
+              <a:t> 선택</a:t>
             </a:r>
           </a:p>
         </p:txBody>
@@ -4305,7 +4288,7 @@
             <a:pPr algn="ctr"/>
             <a:r>
               <a:rPr lang="ko-KR" altLang="en-US"/>
-              <a:t>결제 양식</a:t>
+              <a:t>태그 선택</a:t>
             </a:r>
           </a:p>
         </p:txBody>
@@ -4360,7 +4343,7 @@
         </p:nvSpPr>
         <p:spPr>
           <a:xfrm>
-            <a:off x="2330140" y="3766373"/>
+            <a:off x="2330138" y="3867321"/>
             <a:ext cx="1064715" cy="307777"/>
           </a:xfrm>
           <a:prstGeom prst="rect">
@@ -4384,10 +4367,10 @@
       </p:sp>
       <p:sp>
         <p:nvSpPr>
-          <p:cNvPr id="24" name="TextBox 23">
-            <a:extLst>
-              <a:ext uri="{FF2B5EF4-FFF2-40B4-BE49-F238E27FC236}">
-                <a16:creationId xmlns:a16="http://schemas.microsoft.com/office/drawing/2014/main" id="{4E95A08E-62E8-421A-9D3A-38A95AA14072}"/>
+          <p:cNvPr id="25" name="TextBox 24">
+            <a:extLst>
+              <a:ext uri="{FF2B5EF4-FFF2-40B4-BE49-F238E27FC236}">
+                <a16:creationId xmlns:a16="http://schemas.microsoft.com/office/drawing/2014/main" id="{C53B5F4A-DC94-4989-BBB7-95B1EC2BEC9F}"/>
               </a:ext>
             </a:extLst>
           </p:cNvPr>
@@ -4396,8 +4379,8 @@
         </p:nvSpPr>
         <p:spPr>
           <a:xfrm>
-            <a:off x="2315713" y="4070369"/>
-            <a:ext cx="1079142" cy="307777"/>
+            <a:off x="2423113" y="4712755"/>
+            <a:ext cx="878767" cy="307777"/>
           </a:xfrm>
           <a:prstGeom prst="rect">
             <a:avLst/>
@@ -4412,7 +4395,7 @@
           <a:p>
             <a:r>
               <a:rPr lang="en-US" altLang="ko-KR" sz="1400"/>
-              <a:t>/sub/menu</a:t>
+              <a:t>/sub/tag</a:t>
             </a:r>
             <a:endParaRPr lang="ko-KR" altLang="en-US" sz="1400"/>
           </a:p>
@@ -4420,10 +4403,10 @@
       </p:sp>
       <p:sp>
         <p:nvSpPr>
-          <p:cNvPr id="25" name="TextBox 24">
-            <a:extLst>
-              <a:ext uri="{FF2B5EF4-FFF2-40B4-BE49-F238E27FC236}">
-                <a16:creationId xmlns:a16="http://schemas.microsoft.com/office/drawing/2014/main" id="{C53B5F4A-DC94-4989-BBB7-95B1EC2BEC9F}"/>
+          <p:cNvPr id="26" name="TextBox 25">
+            <a:extLst>
+              <a:ext uri="{FF2B5EF4-FFF2-40B4-BE49-F238E27FC236}">
+                <a16:creationId xmlns:a16="http://schemas.microsoft.com/office/drawing/2014/main" id="{2208ED26-837D-4C6E-A964-4B4DA612E321}"/>
               </a:ext>
             </a:extLst>
           </p:cNvPr>
@@ -4432,8 +4415,8 @@
         </p:nvSpPr>
         <p:spPr>
           <a:xfrm>
-            <a:off x="2067197" y="4734917"/>
-            <a:ext cx="1549848" cy="307777"/>
+            <a:off x="5069408" y="4314265"/>
+            <a:ext cx="1317990" cy="307777"/>
           </a:xfrm>
           <a:prstGeom prst="rect">
             <a:avLst/>
@@ -4448,7 +4431,7 @@
           <a:p>
             <a:r>
               <a:rPr lang="en-US" altLang="ko-KR" sz="1400"/>
-              <a:t>/orders/payment</a:t>
+              <a:t>/shopping/list</a:t>
             </a:r>
             <a:endParaRPr lang="ko-KR" altLang="en-US" sz="1400"/>
           </a:p>
@@ -4456,10 +4439,10 @@
       </p:sp>
       <p:sp>
         <p:nvSpPr>
-          <p:cNvPr id="26" name="TextBox 25">
-            <a:extLst>
-              <a:ext uri="{FF2B5EF4-FFF2-40B4-BE49-F238E27FC236}">
-                <a16:creationId xmlns:a16="http://schemas.microsoft.com/office/drawing/2014/main" id="{2208ED26-837D-4C6E-A964-4B4DA612E321}"/>
+          <p:cNvPr id="28" name="TextBox 27">
+            <a:extLst>
+              <a:ext uri="{FF2B5EF4-FFF2-40B4-BE49-F238E27FC236}">
+                <a16:creationId xmlns:a16="http://schemas.microsoft.com/office/drawing/2014/main" id="{7C82CF07-1215-4256-A706-E778DD005C06}"/>
               </a:ext>
             </a:extLst>
           </p:cNvPr>
@@ -4468,8 +4451,8 @@
         </p:nvSpPr>
         <p:spPr>
           <a:xfrm>
-            <a:off x="5069408" y="4314265"/>
-            <a:ext cx="1317990" cy="307777"/>
+            <a:off x="6713453" y="4314265"/>
+            <a:ext cx="1074974" cy="307777"/>
           </a:xfrm>
           <a:prstGeom prst="rect">
             <a:avLst/>
@@ -4484,7 +4467,7 @@
           <a:p>
             <a:r>
               <a:rPr lang="en-US" altLang="ko-KR" sz="1400"/>
-              <a:t>/shopping/list</a:t>
+              <a:t>/review/list</a:t>
             </a:r>
             <a:endParaRPr lang="ko-KR" altLang="en-US" sz="1400"/>
           </a:p>
@@ -4492,10 +4475,59 @@
       </p:sp>
       <p:sp>
         <p:nvSpPr>
-          <p:cNvPr id="28" name="TextBox 27">
-            <a:extLst>
-              <a:ext uri="{FF2B5EF4-FFF2-40B4-BE49-F238E27FC236}">
-                <a16:creationId xmlns:a16="http://schemas.microsoft.com/office/drawing/2014/main" id="{7C82CF07-1215-4256-A706-E778DD005C06}"/>
+          <p:cNvPr id="32" name="직사각형 31">
+            <a:extLst>
+              <a:ext uri="{FF2B5EF4-FFF2-40B4-BE49-F238E27FC236}">
+                <a16:creationId xmlns:a16="http://schemas.microsoft.com/office/drawing/2014/main" id="{5610AFA8-EED2-4E48-8E1B-7205F53F5444}"/>
+              </a:ext>
+            </a:extLst>
+          </p:cNvPr>
+          <p:cNvSpPr/>
+          <p:nvPr/>
+        </p:nvSpPr>
+        <p:spPr>
+          <a:xfrm>
+            <a:off x="3583338" y="5549572"/>
+            <a:ext cx="1245054" cy="413657"/>
+          </a:xfrm>
+          <a:prstGeom prst="rect">
+            <a:avLst/>
+          </a:prstGeom>
+        </p:spPr>
+        <p:style>
+          <a:lnRef idx="2">
+            <a:schemeClr val="accent1">
+              <a:shade val="50000"/>
+            </a:schemeClr>
+          </a:lnRef>
+          <a:fillRef idx="1">
+            <a:schemeClr val="accent1"/>
+          </a:fillRef>
+          <a:effectRef idx="0">
+            <a:schemeClr val="accent1"/>
+          </a:effectRef>
+          <a:fontRef idx="minor">
+            <a:schemeClr val="lt1"/>
+          </a:fontRef>
+        </p:style>
+        <p:txBody>
+          <a:bodyPr rtlCol="0" anchor="ctr"/>
+          <a:lstStyle/>
+          <a:p>
+            <a:pPr algn="ctr"/>
+            <a:r>
+              <a:rPr lang="ko-KR" altLang="en-US"/>
+              <a:t>결제 양식</a:t>
+            </a:r>
+          </a:p>
+        </p:txBody>
+      </p:sp>
+      <p:sp>
+        <p:nvSpPr>
+          <p:cNvPr id="35" name="TextBox 34">
+            <a:extLst>
+              <a:ext uri="{FF2B5EF4-FFF2-40B4-BE49-F238E27FC236}">
+                <a16:creationId xmlns:a16="http://schemas.microsoft.com/office/drawing/2014/main" id="{54AFA787-C06C-4D4F-95CD-5884E47B098E}"/>
               </a:ext>
             </a:extLst>
           </p:cNvPr>
@@ -4504,8 +4536,8 @@
         </p:nvSpPr>
         <p:spPr>
           <a:xfrm>
-            <a:off x="6713453" y="4314265"/>
-            <a:ext cx="1074974" cy="307777"/>
+            <a:off x="2067197" y="5602513"/>
+            <a:ext cx="1549848" cy="307777"/>
           </a:xfrm>
           <a:prstGeom prst="rect">
             <a:avLst/>
@@ -4520,12 +4552,58 @@
           <a:p>
             <a:r>
               <a:rPr lang="en-US" altLang="ko-KR" sz="1400"/>
-              <a:t>/review/list</a:t>
+              <a:t>/orders/payment</a:t>
             </a:r>
             <a:endParaRPr lang="ko-KR" altLang="en-US" sz="1400"/>
           </a:p>
         </p:txBody>
       </p:sp>
+      <p:cxnSp>
+        <p:nvCxnSpPr>
+          <p:cNvPr id="36" name="직선 화살표 연결선 35">
+            <a:extLst>
+              <a:ext uri="{FF2B5EF4-FFF2-40B4-BE49-F238E27FC236}">
+                <a16:creationId xmlns:a16="http://schemas.microsoft.com/office/drawing/2014/main" id="{261B85CF-AE18-44AA-8F06-665698D5C4ED}"/>
+              </a:ext>
+            </a:extLst>
+          </p:cNvPr>
+          <p:cNvCxnSpPr>
+            <a:cxnSpLocks/>
+            <a:stCxn id="46" idx="2"/>
+            <a:endCxn id="32" idx="0"/>
+          </p:cNvCxnSpPr>
+          <p:nvPr/>
+        </p:nvCxnSpPr>
+        <p:spPr>
+          <a:xfrm>
+            <a:off x="4205865" y="5095635"/>
+            <a:ext cx="0" cy="453937"/>
+          </a:xfrm>
+          <a:prstGeom prst="straightConnector1">
+            <a:avLst/>
+          </a:prstGeom>
+          <a:ln>
+            <a:solidFill>
+              <a:schemeClr val="tx1"/>
+            </a:solidFill>
+            <a:tailEnd type="triangle"/>
+          </a:ln>
+        </p:spPr>
+        <p:style>
+          <a:lnRef idx="1">
+            <a:schemeClr val="accent1"/>
+          </a:lnRef>
+          <a:fillRef idx="0">
+            <a:schemeClr val="accent1"/>
+          </a:fillRef>
+          <a:effectRef idx="0">
+            <a:schemeClr val="accent1"/>
+          </a:effectRef>
+          <a:fontRef idx="minor">
+            <a:schemeClr val="tx1"/>
+          </a:fontRef>
+        </p:style>
+      </p:cxnSp>
     </p:spTree>
     <p:extLst>
       <p:ext uri="{BB962C8B-B14F-4D97-AF65-F5344CB8AC3E}">
@@ -7930,6 +8008,297 @@
           </a:p>
         </p:txBody>
       </p:sp>
+      <p:sp>
+        <p:nvSpPr>
+          <p:cNvPr id="48" name="직사각형 47">
+            <a:extLst>
+              <a:ext uri="{FF2B5EF4-FFF2-40B4-BE49-F238E27FC236}">
+                <a16:creationId xmlns:a16="http://schemas.microsoft.com/office/drawing/2014/main" id="{A70EDCC7-AD3F-4696-96DD-F73D1CDF10C8}"/>
+              </a:ext>
+            </a:extLst>
+          </p:cNvPr>
+          <p:cNvSpPr/>
+          <p:nvPr/>
+        </p:nvSpPr>
+        <p:spPr>
+          <a:xfrm>
+            <a:off x="9129513" y="2771499"/>
+            <a:ext cx="1375615" cy="413657"/>
+          </a:xfrm>
+          <a:prstGeom prst="rect">
+            <a:avLst/>
+          </a:prstGeom>
+        </p:spPr>
+        <p:style>
+          <a:lnRef idx="2">
+            <a:schemeClr val="accent6">
+              <a:shade val="50000"/>
+            </a:schemeClr>
+          </a:lnRef>
+          <a:fillRef idx="1">
+            <a:schemeClr val="accent6"/>
+          </a:fillRef>
+          <a:effectRef idx="0">
+            <a:schemeClr val="accent6"/>
+          </a:effectRef>
+          <a:fontRef idx="minor">
+            <a:schemeClr val="lt1"/>
+          </a:fontRef>
+        </p:style>
+        <p:txBody>
+          <a:bodyPr rtlCol="0" anchor="ctr"/>
+          <a:lstStyle/>
+          <a:p>
+            <a:pPr algn="ctr"/>
+            <a:r>
+              <a:rPr lang="ko-KR" altLang="en-US"/>
+              <a:t>태그</a:t>
+            </a:r>
+          </a:p>
+        </p:txBody>
+      </p:sp>
+      <p:sp>
+        <p:nvSpPr>
+          <p:cNvPr id="49" name="직사각형 48">
+            <a:extLst>
+              <a:ext uri="{FF2B5EF4-FFF2-40B4-BE49-F238E27FC236}">
+                <a16:creationId xmlns:a16="http://schemas.microsoft.com/office/drawing/2014/main" id="{C2C1C470-A3C1-4554-9CAC-93E6A48F7ACD}"/>
+              </a:ext>
+            </a:extLst>
+          </p:cNvPr>
+          <p:cNvSpPr/>
+          <p:nvPr/>
+        </p:nvSpPr>
+        <p:spPr>
+          <a:xfrm>
+            <a:off x="9129512" y="3903613"/>
+            <a:ext cx="1375615" cy="413657"/>
+          </a:xfrm>
+          <a:prstGeom prst="rect">
+            <a:avLst/>
+          </a:prstGeom>
+        </p:spPr>
+        <p:style>
+          <a:lnRef idx="2">
+            <a:schemeClr val="accent3">
+              <a:shade val="50000"/>
+            </a:schemeClr>
+          </a:lnRef>
+          <a:fillRef idx="1">
+            <a:schemeClr val="accent3"/>
+          </a:fillRef>
+          <a:effectRef idx="0">
+            <a:schemeClr val="accent3"/>
+          </a:effectRef>
+          <a:fontRef idx="minor">
+            <a:schemeClr val="lt1"/>
+          </a:fontRef>
+        </p:style>
+        <p:txBody>
+          <a:bodyPr rtlCol="0" anchor="ctr"/>
+          <a:lstStyle/>
+          <a:p>
+            <a:pPr algn="ctr"/>
+            <a:r>
+              <a:rPr lang="ko-KR" altLang="en-US"/>
+              <a:t>읽기</a:t>
+            </a:r>
+          </a:p>
+        </p:txBody>
+      </p:sp>
+      <p:sp>
+        <p:nvSpPr>
+          <p:cNvPr id="50" name="직사각형 49">
+            <a:extLst>
+              <a:ext uri="{FF2B5EF4-FFF2-40B4-BE49-F238E27FC236}">
+                <a16:creationId xmlns:a16="http://schemas.microsoft.com/office/drawing/2014/main" id="{29C5E10C-9609-4199-9C86-DBA7D321CEE1}"/>
+              </a:ext>
+            </a:extLst>
+          </p:cNvPr>
+          <p:cNvSpPr/>
+          <p:nvPr/>
+        </p:nvSpPr>
+        <p:spPr>
+          <a:xfrm>
+            <a:off x="9129513" y="3303825"/>
+            <a:ext cx="1375615" cy="413657"/>
+          </a:xfrm>
+          <a:prstGeom prst="rect">
+            <a:avLst/>
+          </a:prstGeom>
+        </p:spPr>
+        <p:style>
+          <a:lnRef idx="2">
+            <a:schemeClr val="accent3">
+              <a:shade val="50000"/>
+            </a:schemeClr>
+          </a:lnRef>
+          <a:fillRef idx="1">
+            <a:schemeClr val="accent3"/>
+          </a:fillRef>
+          <a:effectRef idx="0">
+            <a:schemeClr val="accent3"/>
+          </a:effectRef>
+          <a:fontRef idx="minor">
+            <a:schemeClr val="lt1"/>
+          </a:fontRef>
+        </p:style>
+        <p:txBody>
+          <a:bodyPr rtlCol="0" anchor="ctr"/>
+          <a:lstStyle/>
+          <a:p>
+            <a:pPr algn="ctr"/>
+            <a:r>
+              <a:rPr lang="ko-KR" altLang="en-US"/>
+              <a:t>생성</a:t>
+            </a:r>
+          </a:p>
+        </p:txBody>
+      </p:sp>
+      <p:sp>
+        <p:nvSpPr>
+          <p:cNvPr id="51" name="직사각형 50">
+            <a:extLst>
+              <a:ext uri="{FF2B5EF4-FFF2-40B4-BE49-F238E27FC236}">
+                <a16:creationId xmlns:a16="http://schemas.microsoft.com/office/drawing/2014/main" id="{32DC98DF-3991-4D0F-9BAF-4D224B3D8781}"/>
+              </a:ext>
+            </a:extLst>
+          </p:cNvPr>
+          <p:cNvSpPr/>
+          <p:nvPr/>
+        </p:nvSpPr>
+        <p:spPr>
+          <a:xfrm>
+            <a:off x="9129511" y="4503401"/>
+            <a:ext cx="1375615" cy="413657"/>
+          </a:xfrm>
+          <a:prstGeom prst="rect">
+            <a:avLst/>
+          </a:prstGeom>
+        </p:spPr>
+        <p:style>
+          <a:lnRef idx="2">
+            <a:schemeClr val="accent3">
+              <a:shade val="50000"/>
+            </a:schemeClr>
+          </a:lnRef>
+          <a:fillRef idx="1">
+            <a:schemeClr val="accent3"/>
+          </a:fillRef>
+          <a:effectRef idx="0">
+            <a:schemeClr val="accent3"/>
+          </a:effectRef>
+          <a:fontRef idx="minor">
+            <a:schemeClr val="lt1"/>
+          </a:fontRef>
+        </p:style>
+        <p:txBody>
+          <a:bodyPr rtlCol="0" anchor="ctr"/>
+          <a:lstStyle/>
+          <a:p>
+            <a:pPr algn="ctr"/>
+            <a:r>
+              <a:rPr lang="ko-KR" altLang="en-US"/>
+              <a:t>수정</a:t>
+            </a:r>
+          </a:p>
+        </p:txBody>
+      </p:sp>
+      <p:sp>
+        <p:nvSpPr>
+          <p:cNvPr id="52" name="직사각형 51">
+            <a:extLst>
+              <a:ext uri="{FF2B5EF4-FFF2-40B4-BE49-F238E27FC236}">
+                <a16:creationId xmlns:a16="http://schemas.microsoft.com/office/drawing/2014/main" id="{98B47B64-7332-4952-83B6-698BD208784B}"/>
+              </a:ext>
+            </a:extLst>
+          </p:cNvPr>
+          <p:cNvSpPr/>
+          <p:nvPr/>
+        </p:nvSpPr>
+        <p:spPr>
+          <a:xfrm>
+            <a:off x="9129510" y="5103189"/>
+            <a:ext cx="1375615" cy="413657"/>
+          </a:xfrm>
+          <a:prstGeom prst="rect">
+            <a:avLst/>
+          </a:prstGeom>
+        </p:spPr>
+        <p:style>
+          <a:lnRef idx="2">
+            <a:schemeClr val="accent3">
+              <a:shade val="50000"/>
+            </a:schemeClr>
+          </a:lnRef>
+          <a:fillRef idx="1">
+            <a:schemeClr val="accent3"/>
+          </a:fillRef>
+          <a:effectRef idx="0">
+            <a:schemeClr val="accent3"/>
+          </a:effectRef>
+          <a:fontRef idx="minor">
+            <a:schemeClr val="lt1"/>
+          </a:fontRef>
+        </p:style>
+        <p:txBody>
+          <a:bodyPr rtlCol="0" anchor="ctr"/>
+          <a:lstStyle/>
+          <a:p>
+            <a:pPr algn="ctr"/>
+            <a:r>
+              <a:rPr lang="ko-KR" altLang="en-US"/>
+              <a:t>삭제</a:t>
+            </a:r>
+          </a:p>
+        </p:txBody>
+      </p:sp>
+      <p:cxnSp>
+        <p:nvCxnSpPr>
+          <p:cNvPr id="53" name="직선 화살표 연결선 52">
+            <a:extLst>
+              <a:ext uri="{FF2B5EF4-FFF2-40B4-BE49-F238E27FC236}">
+                <a16:creationId xmlns:a16="http://schemas.microsoft.com/office/drawing/2014/main" id="{AAF5028D-F51B-4010-876F-4FDF7388D544}"/>
+              </a:ext>
+            </a:extLst>
+          </p:cNvPr>
+          <p:cNvCxnSpPr>
+            <a:cxnSpLocks/>
+            <a:stCxn id="13" idx="2"/>
+            <a:endCxn id="48" idx="0"/>
+          </p:cNvCxnSpPr>
+          <p:nvPr/>
+        </p:nvCxnSpPr>
+        <p:spPr>
+          <a:xfrm>
+            <a:off x="5557719" y="2239173"/>
+            <a:ext cx="4259602" cy="532326"/>
+          </a:xfrm>
+          <a:prstGeom prst="straightConnector1">
+            <a:avLst/>
+          </a:prstGeom>
+          <a:ln>
+            <a:solidFill>
+              <a:schemeClr val="tx1"/>
+            </a:solidFill>
+            <a:tailEnd type="triangle"/>
+          </a:ln>
+        </p:spPr>
+        <p:style>
+          <a:lnRef idx="1">
+            <a:schemeClr val="accent1"/>
+          </a:lnRef>
+          <a:fillRef idx="0">
+            <a:schemeClr val="accent1"/>
+          </a:fillRef>
+          <a:effectRef idx="0">
+            <a:schemeClr val="accent1"/>
+          </a:effectRef>
+          <a:fontRef idx="minor">
+            <a:schemeClr val="tx1"/>
+          </a:fontRef>
+        </p:style>
+      </p:cxnSp>
     </p:spTree>
     <p:extLst>
       <p:ext uri="{BB962C8B-B14F-4D97-AF65-F5344CB8AC3E}">
@@ -8072,8 +8441,8 @@
         </p:nvSpPr>
         <p:spPr>
           <a:xfrm>
-            <a:off x="4100227" y="2945677"/>
-            <a:ext cx="1375615" cy="413657"/>
+            <a:off x="3909088" y="2945677"/>
+            <a:ext cx="1725806" cy="413657"/>
           </a:xfrm>
           <a:prstGeom prst="rect">
             <a:avLst/>
@@ -8102,7 +8471,7 @@
             <a:pPr algn="ctr"/>
             <a:r>
               <a:rPr lang="ko-KR" altLang="en-US"/>
-              <a:t>랜덤박스</a:t>
+              <a:t>구독 상품 평가</a:t>
             </a:r>
           </a:p>
         </p:txBody>
@@ -8416,8 +8785,8 @@
         </p:nvCxnSpPr>
         <p:spPr>
           <a:xfrm flipH="1">
-            <a:off x="4788035" y="2266404"/>
-            <a:ext cx="1155157" cy="679273"/>
+            <a:off x="4771991" y="2266404"/>
+            <a:ext cx="1171201" cy="679273"/>
           </a:xfrm>
           <a:prstGeom prst="straightConnector1">
             <a:avLst/>
@@ -8488,7 +8857,7 @@
             <a:pPr algn="ctr"/>
             <a:r>
               <a:rPr lang="ko-KR" altLang="en-US"/>
-              <a:t>역대 랜덤박스 구성 보기</a:t>
+              <a:t>역대 구독 상품 구성 보기</a:t>
             </a:r>
           </a:p>
         </p:txBody>
@@ -8586,7 +8955,7 @@
             <a:pPr algn="ctr"/>
             <a:r>
               <a:rPr lang="ko-KR" altLang="en-US"/>
-              <a:t>랜덤 박스</a:t>
+              <a:t>구독으로 온</a:t>
             </a:r>
             <a:endParaRPr lang="en-US" altLang="ko-KR"/>
           </a:p>
@@ -8594,15 +8963,7 @@
             <a:pPr algn="ctr"/>
             <a:r>
               <a:rPr lang="ko-KR" altLang="en-US"/>
-              <a:t>구성 요소에서</a:t>
-            </a:r>
-            <a:endParaRPr lang="en-US" altLang="ko-KR"/>
-          </a:p>
-          <a:p>
-            <a:pPr algn="ctr"/>
-            <a:r>
-              <a:rPr lang="ko-KR" altLang="en-US"/>
-              <a:t>싫고 좋은거 </a:t>
+              <a:t>상품 중 싫고 좋은거 </a:t>
             </a:r>
             <a:endParaRPr lang="en-US" altLang="ko-KR"/>
           </a:p>
@@ -9344,234 +9705,6 @@
     <p:extLst>
       <p:ext uri="{BB962C8B-B14F-4D97-AF65-F5344CB8AC3E}">
         <p14:creationId xmlns:p14="http://schemas.microsoft.com/office/powerpoint/2010/main" val="1594651904"/>
-      </p:ext>
-    </p:extLst>
-  </p:cSld>
-  <p:clrMapOvr>
-    <a:masterClrMapping/>
-  </p:clrMapOvr>
-</p:sld>
-</file>
-
-<file path=ppt/slides/slide7.xml><?xml version="1.0" encoding="utf-8"?>
-<p:sld xmlns:a="http://schemas.openxmlformats.org/drawingml/2006/main" xmlns:r="http://schemas.openxmlformats.org/officeDocument/2006/relationships" xmlns:p="http://schemas.openxmlformats.org/presentationml/2006/main">
-  <p:cSld>
-    <p:spTree>
-      <p:nvGrpSpPr>
-        <p:cNvPr id="1" name=""/>
-        <p:cNvGrpSpPr/>
-        <p:nvPr/>
-      </p:nvGrpSpPr>
-      <p:grpSpPr>
-        <a:xfrm>
-          <a:off x="0" y="0"/>
-          <a:ext cx="0" cy="0"/>
-          <a:chOff x="0" y="0"/>
-          <a:chExt cx="0" cy="0"/>
-        </a:xfrm>
-      </p:grpSpPr>
-      <p:sp>
-        <p:nvSpPr>
-          <p:cNvPr id="2" name="직사각형 1">
-            <a:extLst>
-              <a:ext uri="{FF2B5EF4-FFF2-40B4-BE49-F238E27FC236}">
-                <a16:creationId xmlns:a16="http://schemas.microsoft.com/office/drawing/2014/main" id="{4963C75D-34E7-4A72-B51E-EB8A147D8241}"/>
-              </a:ext>
-            </a:extLst>
-          </p:cNvPr>
-          <p:cNvSpPr/>
-          <p:nvPr/>
-        </p:nvSpPr>
-        <p:spPr>
-          <a:xfrm>
-            <a:off x="7119262" y="267788"/>
-            <a:ext cx="1689462" cy="1254034"/>
-          </a:xfrm>
-          <a:prstGeom prst="rect">
-            <a:avLst/>
-          </a:prstGeom>
-        </p:spPr>
-        <p:style>
-          <a:lnRef idx="2">
-            <a:schemeClr val="accent1">
-              <a:shade val="50000"/>
-            </a:schemeClr>
-          </a:lnRef>
-          <a:fillRef idx="1">
-            <a:schemeClr val="accent1"/>
-          </a:fillRef>
-          <a:effectRef idx="0">
-            <a:schemeClr val="accent1"/>
-          </a:effectRef>
-          <a:fontRef idx="minor">
-            <a:schemeClr val="lt1"/>
-          </a:fontRef>
-        </p:style>
-        <p:txBody>
-          <a:bodyPr rtlCol="0" anchor="ctr"/>
-          <a:lstStyle/>
-          <a:p>
-            <a:pPr algn="ctr"/>
-            <a:r>
-              <a:rPr lang="en-US" altLang="ko-KR"/>
-              <a:t>10</a:t>
-            </a:r>
-            <a:endParaRPr lang="ko-KR" altLang="en-US"/>
-          </a:p>
-        </p:txBody>
-      </p:sp>
-      <p:sp>
-        <p:nvSpPr>
-          <p:cNvPr id="3" name="직사각형 2">
-            <a:extLst>
-              <a:ext uri="{FF2B5EF4-FFF2-40B4-BE49-F238E27FC236}">
-                <a16:creationId xmlns:a16="http://schemas.microsoft.com/office/drawing/2014/main" id="{A805582D-202E-44DB-B6CF-C96153A02645}"/>
-              </a:ext>
-            </a:extLst>
-          </p:cNvPr>
-          <p:cNvSpPr/>
-          <p:nvPr/>
-        </p:nvSpPr>
-        <p:spPr>
-          <a:xfrm>
-            <a:off x="9644747" y="415834"/>
-            <a:ext cx="1689462" cy="1254034"/>
-          </a:xfrm>
-          <a:prstGeom prst="rect">
-            <a:avLst/>
-          </a:prstGeom>
-        </p:spPr>
-        <p:style>
-          <a:lnRef idx="2">
-            <a:schemeClr val="accent1">
-              <a:shade val="50000"/>
-            </a:schemeClr>
-          </a:lnRef>
-          <a:fillRef idx="1">
-            <a:schemeClr val="accent1"/>
-          </a:fillRef>
-          <a:effectRef idx="0">
-            <a:schemeClr val="accent1"/>
-          </a:effectRef>
-          <a:fontRef idx="minor">
-            <a:schemeClr val="lt1"/>
-          </a:fontRef>
-        </p:style>
-        <p:txBody>
-          <a:bodyPr rtlCol="0" anchor="ctr"/>
-          <a:lstStyle/>
-          <a:p>
-            <a:pPr algn="ctr"/>
-            <a:r>
-              <a:rPr lang="ko-KR" altLang="en-US"/>
-              <a:t>짠</a:t>
-            </a:r>
-          </a:p>
-        </p:txBody>
-      </p:sp>
-      <p:sp>
-        <p:nvSpPr>
-          <p:cNvPr id="4" name="직사각형 3">
-            <a:extLst>
-              <a:ext uri="{FF2B5EF4-FFF2-40B4-BE49-F238E27FC236}">
-                <a16:creationId xmlns:a16="http://schemas.microsoft.com/office/drawing/2014/main" id="{C6FE9ED5-8387-470E-990A-6B5CE3E2102C}"/>
-              </a:ext>
-            </a:extLst>
-          </p:cNvPr>
-          <p:cNvSpPr/>
-          <p:nvPr/>
-        </p:nvSpPr>
-        <p:spPr>
-          <a:xfrm>
-            <a:off x="9548951" y="267788"/>
-            <a:ext cx="1689462" cy="1254034"/>
-          </a:xfrm>
-          <a:prstGeom prst="rect">
-            <a:avLst/>
-          </a:prstGeom>
-        </p:spPr>
-        <p:style>
-          <a:lnRef idx="2">
-            <a:schemeClr val="accent1">
-              <a:shade val="50000"/>
-            </a:schemeClr>
-          </a:lnRef>
-          <a:fillRef idx="1">
-            <a:schemeClr val="accent1"/>
-          </a:fillRef>
-          <a:effectRef idx="0">
-            <a:schemeClr val="accent1"/>
-          </a:effectRef>
-          <a:fontRef idx="minor">
-            <a:schemeClr val="lt1"/>
-          </a:fontRef>
-        </p:style>
-        <p:txBody>
-          <a:bodyPr rtlCol="0" anchor="ctr"/>
-          <a:lstStyle/>
-          <a:p>
-            <a:pPr algn="ctr"/>
-            <a:r>
-              <a:rPr lang="en-US" altLang="ko-KR"/>
-              <a:t>20</a:t>
-            </a:r>
-            <a:endParaRPr lang="ko-KR" altLang="en-US"/>
-          </a:p>
-        </p:txBody>
-      </p:sp>
-      <p:sp>
-        <p:nvSpPr>
-          <p:cNvPr id="5" name="직사각형 4">
-            <a:extLst>
-              <a:ext uri="{FF2B5EF4-FFF2-40B4-BE49-F238E27FC236}">
-                <a16:creationId xmlns:a16="http://schemas.microsoft.com/office/drawing/2014/main" id="{A45F4070-48C3-4695-A968-33A4A2D50FE5}"/>
-              </a:ext>
-            </a:extLst>
-          </p:cNvPr>
-          <p:cNvSpPr/>
-          <p:nvPr/>
-        </p:nvSpPr>
-        <p:spPr>
-          <a:xfrm>
-            <a:off x="7036529" y="415834"/>
-            <a:ext cx="1689462" cy="1254034"/>
-          </a:xfrm>
-          <a:prstGeom prst="rect">
-            <a:avLst/>
-          </a:prstGeom>
-        </p:spPr>
-        <p:style>
-          <a:lnRef idx="2">
-            <a:schemeClr val="accent1">
-              <a:shade val="50000"/>
-            </a:schemeClr>
-          </a:lnRef>
-          <a:fillRef idx="1">
-            <a:schemeClr val="accent1"/>
-          </a:fillRef>
-          <a:effectRef idx="0">
-            <a:schemeClr val="accent1"/>
-          </a:effectRef>
-          <a:fontRef idx="minor">
-            <a:schemeClr val="lt1"/>
-          </a:fontRef>
-        </p:style>
-        <p:txBody>
-          <a:bodyPr rtlCol="0" anchor="ctr"/>
-          <a:lstStyle/>
-          <a:p>
-            <a:pPr algn="ctr"/>
-            <a:r>
-              <a:rPr lang="ko-KR" altLang="en-US"/>
-              <a:t>단</a:t>
-            </a:r>
-          </a:p>
-        </p:txBody>
-      </p:sp>
-    </p:spTree>
-    <p:extLst>
-      <p:ext uri="{BB962C8B-B14F-4D97-AF65-F5344CB8AC3E}">
-        <p14:creationId xmlns:p14="http://schemas.microsoft.com/office/powerpoint/2010/main" val="2795912273"/>
       </p:ext>
     </p:extLst>
   </p:cSld>

--- a/document/ppt/Hi Snack! 페이지 구성.pptx
+++ b/document/ppt/Hi Snack! 페이지 구성.pptx
@@ -11,6 +11,7 @@
     <p:sldId id="259" r:id="rId5"/>
     <p:sldId id="260" r:id="rId6"/>
     <p:sldId id="266" r:id="rId7"/>
+    <p:sldId id="269" r:id="rId8"/>
   </p:sldIdLst>
   <p:sldSz cx="12192000" cy="6858000"/>
   <p:notesSz cx="6858000" cy="9144000"/>
@@ -264,7 +265,7 @@
           <a:p>
             <a:fld id="{A7ED0D47-21D1-4F27-8067-E72377D9E3EB}" type="datetimeFigureOut">
               <a:rPr lang="ko-KR" altLang="en-US" smtClean="0"/>
-              <a:t>2022-03-17-(Thu)</a:t>
+              <a:t>2022-03-19-(Sat)</a:t>
             </a:fld>
             <a:endParaRPr lang="ko-KR" altLang="en-US"/>
           </a:p>
@@ -462,7 +463,7 @@
           <a:p>
             <a:fld id="{A7ED0D47-21D1-4F27-8067-E72377D9E3EB}" type="datetimeFigureOut">
               <a:rPr lang="ko-KR" altLang="en-US" smtClean="0"/>
-              <a:t>2022-03-17-(Thu)</a:t>
+              <a:t>2022-03-19-(Sat)</a:t>
             </a:fld>
             <a:endParaRPr lang="ko-KR" altLang="en-US"/>
           </a:p>
@@ -670,7 +671,7 @@
           <a:p>
             <a:fld id="{A7ED0D47-21D1-4F27-8067-E72377D9E3EB}" type="datetimeFigureOut">
               <a:rPr lang="ko-KR" altLang="en-US" smtClean="0"/>
-              <a:t>2022-03-17-(Thu)</a:t>
+              <a:t>2022-03-19-(Sat)</a:t>
             </a:fld>
             <a:endParaRPr lang="ko-KR" altLang="en-US"/>
           </a:p>
@@ -1221,7 +1222,7 @@
           <a:p>
             <a:fld id="{A7ED0D47-21D1-4F27-8067-E72377D9E3EB}" type="datetimeFigureOut">
               <a:rPr lang="ko-KR" altLang="en-US" smtClean="0"/>
-              <a:t>2022-03-17-(Thu)</a:t>
+              <a:t>2022-03-19-(Sat)</a:t>
             </a:fld>
             <a:endParaRPr lang="ko-KR" altLang="en-US"/>
           </a:p>
@@ -1486,7 +1487,7 @@
           <a:p>
             <a:fld id="{A7ED0D47-21D1-4F27-8067-E72377D9E3EB}" type="datetimeFigureOut">
               <a:rPr lang="ko-KR" altLang="en-US" smtClean="0"/>
-              <a:t>2022-03-17-(Thu)</a:t>
+              <a:t>2022-03-19-(Sat)</a:t>
             </a:fld>
             <a:endParaRPr lang="ko-KR" altLang="en-US"/>
           </a:p>
@@ -1898,7 +1899,7 @@
           <a:p>
             <a:fld id="{A7ED0D47-21D1-4F27-8067-E72377D9E3EB}" type="datetimeFigureOut">
               <a:rPr lang="ko-KR" altLang="en-US" smtClean="0"/>
-              <a:t>2022-03-17-(Thu)</a:t>
+              <a:t>2022-03-19-(Sat)</a:t>
             </a:fld>
             <a:endParaRPr lang="ko-KR" altLang="en-US"/>
           </a:p>
@@ -2039,7 +2040,7 @@
           <a:p>
             <a:fld id="{A7ED0D47-21D1-4F27-8067-E72377D9E3EB}" type="datetimeFigureOut">
               <a:rPr lang="ko-KR" altLang="en-US" smtClean="0"/>
-              <a:t>2022-03-17-(Thu)</a:t>
+              <a:t>2022-03-19-(Sat)</a:t>
             </a:fld>
             <a:endParaRPr lang="ko-KR" altLang="en-US"/>
           </a:p>
@@ -2152,7 +2153,7 @@
           <a:p>
             <a:fld id="{A7ED0D47-21D1-4F27-8067-E72377D9E3EB}" type="datetimeFigureOut">
               <a:rPr lang="ko-KR" altLang="en-US" smtClean="0"/>
-              <a:t>2022-03-17-(Thu)</a:t>
+              <a:t>2022-03-19-(Sat)</a:t>
             </a:fld>
             <a:endParaRPr lang="ko-KR" altLang="en-US"/>
           </a:p>
@@ -2463,7 +2464,7 @@
           <a:p>
             <a:fld id="{A7ED0D47-21D1-4F27-8067-E72377D9E3EB}" type="datetimeFigureOut">
               <a:rPr lang="ko-KR" altLang="en-US" smtClean="0"/>
-              <a:t>2022-03-17-(Thu)</a:t>
+              <a:t>2022-03-19-(Sat)</a:t>
             </a:fld>
             <a:endParaRPr lang="ko-KR" altLang="en-US"/>
           </a:p>
@@ -2751,7 +2752,7 @@
           <a:p>
             <a:fld id="{A7ED0D47-21D1-4F27-8067-E72377D9E3EB}" type="datetimeFigureOut">
               <a:rPr lang="ko-KR" altLang="en-US" smtClean="0"/>
-              <a:t>2022-03-17-(Thu)</a:t>
+              <a:t>2022-03-19-(Sat)</a:t>
             </a:fld>
             <a:endParaRPr lang="ko-KR" altLang="en-US"/>
           </a:p>
@@ -2992,7 +2993,7 @@
           <a:p>
             <a:fld id="{A7ED0D47-21D1-4F27-8067-E72377D9E3EB}" type="datetimeFigureOut">
               <a:rPr lang="ko-KR" altLang="en-US" smtClean="0"/>
-              <a:t>2022-03-17-(Thu)</a:t>
+              <a:t>2022-03-19-(Sat)</a:t>
             </a:fld>
             <a:endParaRPr lang="ko-KR" altLang="en-US"/>
           </a:p>
@@ -6349,7 +6350,7 @@
         <p:spPr>
           <a:xfrm>
             <a:off x="781412" y="4321909"/>
-            <a:ext cx="1447960" cy="307777"/>
+            <a:ext cx="1592103" cy="307777"/>
           </a:xfrm>
           <a:prstGeom prst="rect">
             <a:avLst/>
@@ -6364,7 +6365,7 @@
           <a:p>
             <a:r>
               <a:rPr lang="en-US" altLang="ko-KR" sz="1400"/>
-              <a:t>/shopping/item</a:t>
+              <a:t>/shopping/{code}</a:t>
             </a:r>
             <a:endParaRPr lang="ko-KR" altLang="en-US" sz="1400"/>
           </a:p>
@@ -6601,7 +6602,7 @@
         <p:spPr>
           <a:xfrm>
             <a:off x="8256198" y="3809249"/>
-            <a:ext cx="1204945" cy="307777"/>
+            <a:ext cx="1349087" cy="307777"/>
           </a:xfrm>
           <a:prstGeom prst="rect">
             <a:avLst/>
@@ -6616,7 +6617,7 @@
           <a:p>
             <a:r>
               <a:rPr lang="en-US" altLang="ko-KR" sz="1400"/>
-              <a:t>/review/item</a:t>
+              <a:t>/review/{code}</a:t>
             </a:r>
             <a:endParaRPr lang="ko-KR" altLang="en-US" sz="1400"/>
           </a:p>
@@ -6637,7 +6638,7 @@
         <p:spPr>
           <a:xfrm>
             <a:off x="8256198" y="4475797"/>
-            <a:ext cx="1413336" cy="307777"/>
+            <a:ext cx="1988814" cy="307777"/>
           </a:xfrm>
           <a:prstGeom prst="rect">
             <a:avLst/>
@@ -6652,7 +6653,7 @@
           <a:p>
             <a:r>
               <a:rPr lang="en-US" altLang="ko-KR" sz="1400"/>
-              <a:t>/review/update</a:t>
+              <a:t>/review/update/{code}</a:t>
             </a:r>
             <a:endParaRPr lang="ko-KR" altLang="en-US" sz="1400"/>
           </a:p>
@@ -9705,6 +9706,290 @@
     <p:extLst>
       <p:ext uri="{BB962C8B-B14F-4D97-AF65-F5344CB8AC3E}">
         <p14:creationId xmlns:p14="http://schemas.microsoft.com/office/powerpoint/2010/main" val="1594651904"/>
+      </p:ext>
+    </p:extLst>
+  </p:cSld>
+  <p:clrMapOvr>
+    <a:masterClrMapping/>
+  </p:clrMapOvr>
+</p:sld>
+</file>
+
+<file path=ppt/slides/slide7.xml><?xml version="1.0" encoding="utf-8"?>
+<p:sld xmlns:a="http://schemas.openxmlformats.org/drawingml/2006/main" xmlns:r="http://schemas.openxmlformats.org/officeDocument/2006/relationships" xmlns:p="http://schemas.openxmlformats.org/presentationml/2006/main">
+  <p:cSld>
+    <p:spTree>
+      <p:nvGrpSpPr>
+        <p:cNvPr id="1" name=""/>
+        <p:cNvGrpSpPr/>
+        <p:nvPr/>
+      </p:nvGrpSpPr>
+      <p:grpSpPr>
+        <a:xfrm>
+          <a:off x="0" y="0"/>
+          <a:ext cx="0" cy="0"/>
+          <a:chOff x="0" y="0"/>
+          <a:chExt cx="0" cy="0"/>
+        </a:xfrm>
+      </p:grpSpPr>
+      <p:sp>
+        <p:nvSpPr>
+          <p:cNvPr id="3" name="TextBox 2">
+            <a:extLst>
+              <a:ext uri="{FF2B5EF4-FFF2-40B4-BE49-F238E27FC236}">
+                <a16:creationId xmlns:a16="http://schemas.microsoft.com/office/drawing/2014/main" id="{CAF1D600-7F51-45AB-9FE2-25C0E96F9DFA}"/>
+              </a:ext>
+            </a:extLst>
+          </p:cNvPr>
+          <p:cNvSpPr txBox="1"/>
+          <p:nvPr/>
+        </p:nvSpPr>
+        <p:spPr>
+          <a:xfrm>
+            <a:off x="478970" y="1299316"/>
+            <a:ext cx="7628709" cy="4893647"/>
+          </a:xfrm>
+          <a:prstGeom prst="rect">
+            <a:avLst/>
+          </a:prstGeom>
+          <a:noFill/>
+        </p:spPr>
+        <p:txBody>
+          <a:bodyPr wrap="square">
+            <a:spAutoFit/>
+          </a:bodyPr>
+          <a:lstStyle/>
+          <a:p>
+            <a:r>
+              <a:rPr lang="ko-KR" altLang="en-US" sz="1200"/>
+              <a:t>RootController</a:t>
+            </a:r>
+          </a:p>
+          <a:p>
+            <a:r>
+              <a:rPr lang="ko-KR" altLang="en-US" sz="1200"/>
+              <a:t>/admin			관리자 페이지, SPA</a:t>
+            </a:r>
+          </a:p>
+          <a:p>
+            <a:r>
+              <a:rPr lang="ko-KR" altLang="en-US" sz="1200"/>
+              <a:t>/signup			회윈가입 페이지</a:t>
+            </a:r>
+          </a:p>
+          <a:p>
+            <a:r>
+              <a:rPr lang="ko-KR" altLang="en-US" sz="1200"/>
+              <a:t>/login			로그인 페이지</a:t>
+            </a:r>
+          </a:p>
+          <a:p>
+            <a:r>
+              <a:rPr lang="ko-KR" altLang="en-US" sz="1200"/>
+              <a:t>/cs			고객센터</a:t>
+            </a:r>
+          </a:p>
+          <a:p>
+            <a:endParaRPr lang="ko-KR" altLang="en-US" sz="1200"/>
+          </a:p>
+          <a:p>
+            <a:r>
+              <a:rPr lang="ko-KR" altLang="en-US" sz="1200"/>
+              <a:t>SubscribeController</a:t>
+            </a:r>
+          </a:p>
+          <a:p>
+            <a:r>
+              <a:rPr lang="ko-KR" altLang="en-US" sz="1200"/>
+              <a:t>/sub/detail		</a:t>
+            </a:r>
+            <a:r>
+              <a:rPr lang="en-US" altLang="ko-KR" sz="1200"/>
+              <a:t>	</a:t>
+            </a:r>
+            <a:r>
+              <a:rPr lang="ko-KR" altLang="en-US" sz="1200"/>
+              <a:t>구독의 자세한 설명 페이지</a:t>
+            </a:r>
+          </a:p>
+          <a:p>
+            <a:r>
+              <a:rPr lang="ko-KR" altLang="en-US" sz="1200"/>
+              <a:t>/sub/tag			구독 시 선호하는 태그 선택</a:t>
+            </a:r>
+          </a:p>
+          <a:p>
+            <a:endParaRPr lang="ko-KR" altLang="en-US" sz="1200"/>
+          </a:p>
+          <a:p>
+            <a:r>
+              <a:rPr lang="ko-KR" altLang="en-US" sz="1200"/>
+              <a:t>OrdersController</a:t>
+            </a:r>
+          </a:p>
+          <a:p>
+            <a:r>
+              <a:rPr lang="ko-KR" altLang="en-US" sz="1200"/>
+              <a:t>/orders/payment		결제 양식 페이지</a:t>
+            </a:r>
+          </a:p>
+          <a:p>
+            <a:r>
+              <a:rPr lang="ko-KR" altLang="en-US" sz="1200"/>
+              <a:t>/orders/cart		</a:t>
+            </a:r>
+            <a:r>
+              <a:rPr lang="en-US" altLang="ko-KR" sz="1200"/>
+              <a:t>	</a:t>
+            </a:r>
+            <a:r>
+              <a:rPr lang="ko-KR" altLang="en-US" sz="1200"/>
+              <a:t>장바구니 페이지</a:t>
+            </a:r>
+          </a:p>
+          <a:p>
+            <a:r>
+              <a:rPr lang="ko-KR" altLang="en-US" sz="1200"/>
+              <a:t>/orders/confirm		결제 확인(결제 양식을 작성해서 결제한 상품 보여주는) 페이지</a:t>
+            </a:r>
+          </a:p>
+          <a:p>
+            <a:endParaRPr lang="ko-KR" altLang="en-US" sz="1200"/>
+          </a:p>
+          <a:p>
+            <a:r>
+              <a:rPr lang="ko-KR" altLang="en-US" sz="1200"/>
+              <a:t>ReviewController</a:t>
+            </a:r>
+          </a:p>
+          <a:p>
+            <a:r>
+              <a:rPr lang="ko-KR" altLang="en-US" sz="1200"/>
+              <a:t>/review/list		</a:t>
+            </a:r>
+            <a:r>
+              <a:rPr lang="en-US" altLang="ko-KR" sz="1200"/>
+              <a:t>	</a:t>
+            </a:r>
+            <a:r>
+              <a:rPr lang="ko-KR" altLang="en-US" sz="1200"/>
+              <a:t>리뷰 리스트</a:t>
+            </a:r>
+          </a:p>
+          <a:p>
+            <a:r>
+              <a:rPr lang="ko-KR" altLang="en-US" sz="1200"/>
+              <a:t>/review/add		</a:t>
+            </a:r>
+            <a:r>
+              <a:rPr lang="en-US" altLang="ko-KR" sz="1200"/>
+              <a:t>	</a:t>
+            </a:r>
+            <a:r>
+              <a:rPr lang="ko-KR" altLang="en-US" sz="1200"/>
+              <a:t>리뷰 작성</a:t>
+            </a:r>
+          </a:p>
+          <a:p>
+            <a:r>
+              <a:rPr lang="ko-KR" altLang="en-US" sz="1200"/>
+              <a:t>/review/{code}		리뷰 상세, 리뷰 한개 보기</a:t>
+            </a:r>
+          </a:p>
+          <a:p>
+            <a:r>
+              <a:rPr lang="ko-KR" altLang="en-US" sz="1200"/>
+              <a:t>/review/update/{code}	</a:t>
+            </a:r>
+            <a:r>
+              <a:rPr lang="en-US" altLang="ko-KR" sz="1200"/>
+              <a:t>	</a:t>
+            </a:r>
+            <a:r>
+              <a:rPr lang="ko-KR" altLang="en-US" sz="1200"/>
+              <a:t>리뷰 수정</a:t>
+            </a:r>
+          </a:p>
+          <a:p>
+            <a:r>
+              <a:rPr lang="ko-KR" altLang="en-US" sz="1200"/>
+              <a:t>/review/delete/{code}	</a:t>
+            </a:r>
+            <a:r>
+              <a:rPr lang="en-US" altLang="ko-KR" sz="1200"/>
+              <a:t>	</a:t>
+            </a:r>
+            <a:r>
+              <a:rPr lang="ko-KR" altLang="en-US" sz="1200"/>
+              <a:t>리뷰 삭제</a:t>
+            </a:r>
+          </a:p>
+          <a:p>
+            <a:endParaRPr lang="ko-KR" altLang="en-US" sz="1200"/>
+          </a:p>
+          <a:p>
+            <a:r>
+              <a:rPr lang="ko-KR" altLang="en-US" sz="1200"/>
+              <a:t>ShoppingController</a:t>
+            </a:r>
+          </a:p>
+          <a:p>
+            <a:r>
+              <a:rPr lang="ko-KR" altLang="en-US" sz="1200"/>
+              <a:t>/shopping/list		쇼핑 리스트(상품 리스트)</a:t>
+            </a:r>
+          </a:p>
+          <a:p>
+            <a:r>
+              <a:rPr lang="ko-KR" altLang="en-US" sz="1200"/>
+              <a:t>/shopping/{code}		쇼핑 상세 (상품 1개 자세히)</a:t>
+            </a:r>
+          </a:p>
+        </p:txBody>
+      </p:sp>
+      <p:sp>
+        <p:nvSpPr>
+          <p:cNvPr id="4" name="TextBox 3">
+            <a:extLst>
+              <a:ext uri="{FF2B5EF4-FFF2-40B4-BE49-F238E27FC236}">
+                <a16:creationId xmlns:a16="http://schemas.microsoft.com/office/drawing/2014/main" id="{D882CCAF-2C32-4F0F-BBA0-C375145AD7BB}"/>
+              </a:ext>
+            </a:extLst>
+          </p:cNvPr>
+          <p:cNvSpPr txBox="1"/>
+          <p:nvPr/>
+        </p:nvSpPr>
+        <p:spPr>
+          <a:xfrm>
+            <a:off x="400594" y="505097"/>
+            <a:ext cx="1989584" cy="369332"/>
+          </a:xfrm>
+          <a:prstGeom prst="rect">
+            <a:avLst/>
+          </a:prstGeom>
+          <a:noFill/>
+        </p:spPr>
+        <p:txBody>
+          <a:bodyPr wrap="none" rtlCol="0">
+            <a:spAutoFit/>
+          </a:bodyPr>
+          <a:lstStyle/>
+          <a:p>
+            <a:r>
+              <a:rPr lang="en-US" altLang="ko-KR"/>
+              <a:t>Controller</a:t>
+            </a:r>
+            <a:r>
+              <a:rPr lang="ko-KR" altLang="en-US"/>
+              <a:t>의 역할</a:t>
+            </a:r>
+          </a:p>
+        </p:txBody>
+      </p:sp>
+    </p:spTree>
+    <p:extLst>
+      <p:ext uri="{BB962C8B-B14F-4D97-AF65-F5344CB8AC3E}">
+        <p14:creationId xmlns:p14="http://schemas.microsoft.com/office/powerpoint/2010/main" val="2939291947"/>
       </p:ext>
     </p:extLst>
   </p:cSld>

--- a/document/ppt/Hi Snack! 페이지 구성.pptx
+++ b/document/ppt/Hi Snack! 페이지 구성.pptx
@@ -265,7 +265,7 @@
           <a:p>
             <a:fld id="{A7ED0D47-21D1-4F27-8067-E72377D9E3EB}" type="datetimeFigureOut">
               <a:rPr lang="ko-KR" altLang="en-US" smtClean="0"/>
-              <a:t>2022-03-19-(Sat)</a:t>
+              <a:t>2022-03-20</a:t>
             </a:fld>
             <a:endParaRPr lang="ko-KR" altLang="en-US"/>
           </a:p>
@@ -463,7 +463,7 @@
           <a:p>
             <a:fld id="{A7ED0D47-21D1-4F27-8067-E72377D9E3EB}" type="datetimeFigureOut">
               <a:rPr lang="ko-KR" altLang="en-US" smtClean="0"/>
-              <a:t>2022-03-19-(Sat)</a:t>
+              <a:t>2022-03-20</a:t>
             </a:fld>
             <a:endParaRPr lang="ko-KR" altLang="en-US"/>
           </a:p>
@@ -671,7 +671,7 @@
           <a:p>
             <a:fld id="{A7ED0D47-21D1-4F27-8067-E72377D9E3EB}" type="datetimeFigureOut">
               <a:rPr lang="ko-KR" altLang="en-US" smtClean="0"/>
-              <a:t>2022-03-19-(Sat)</a:t>
+              <a:t>2022-03-20</a:t>
             </a:fld>
             <a:endParaRPr lang="ko-KR" altLang="en-US"/>
           </a:p>
@@ -1222,7 +1222,7 @@
           <a:p>
             <a:fld id="{A7ED0D47-21D1-4F27-8067-E72377D9E3EB}" type="datetimeFigureOut">
               <a:rPr lang="ko-KR" altLang="en-US" smtClean="0"/>
-              <a:t>2022-03-19-(Sat)</a:t>
+              <a:t>2022-03-20</a:t>
             </a:fld>
             <a:endParaRPr lang="ko-KR" altLang="en-US"/>
           </a:p>
@@ -1487,7 +1487,7 @@
           <a:p>
             <a:fld id="{A7ED0D47-21D1-4F27-8067-E72377D9E3EB}" type="datetimeFigureOut">
               <a:rPr lang="ko-KR" altLang="en-US" smtClean="0"/>
-              <a:t>2022-03-19-(Sat)</a:t>
+              <a:t>2022-03-20</a:t>
             </a:fld>
             <a:endParaRPr lang="ko-KR" altLang="en-US"/>
           </a:p>
@@ -1899,7 +1899,7 @@
           <a:p>
             <a:fld id="{A7ED0D47-21D1-4F27-8067-E72377D9E3EB}" type="datetimeFigureOut">
               <a:rPr lang="ko-KR" altLang="en-US" smtClean="0"/>
-              <a:t>2022-03-19-(Sat)</a:t>
+              <a:t>2022-03-20</a:t>
             </a:fld>
             <a:endParaRPr lang="ko-KR" altLang="en-US"/>
           </a:p>
@@ -2040,7 +2040,7 @@
           <a:p>
             <a:fld id="{A7ED0D47-21D1-4F27-8067-E72377D9E3EB}" type="datetimeFigureOut">
               <a:rPr lang="ko-KR" altLang="en-US" smtClean="0"/>
-              <a:t>2022-03-19-(Sat)</a:t>
+              <a:t>2022-03-20</a:t>
             </a:fld>
             <a:endParaRPr lang="ko-KR" altLang="en-US"/>
           </a:p>
@@ -2153,7 +2153,7 @@
           <a:p>
             <a:fld id="{A7ED0D47-21D1-4F27-8067-E72377D9E3EB}" type="datetimeFigureOut">
               <a:rPr lang="ko-KR" altLang="en-US" smtClean="0"/>
-              <a:t>2022-03-19-(Sat)</a:t>
+              <a:t>2022-03-20</a:t>
             </a:fld>
             <a:endParaRPr lang="ko-KR" altLang="en-US"/>
           </a:p>
@@ -2464,7 +2464,7 @@
           <a:p>
             <a:fld id="{A7ED0D47-21D1-4F27-8067-E72377D9E3EB}" type="datetimeFigureOut">
               <a:rPr lang="ko-KR" altLang="en-US" smtClean="0"/>
-              <a:t>2022-03-19-(Sat)</a:t>
+              <a:t>2022-03-20</a:t>
             </a:fld>
             <a:endParaRPr lang="ko-KR" altLang="en-US"/>
           </a:p>
@@ -2752,7 +2752,7 @@
           <a:p>
             <a:fld id="{A7ED0D47-21D1-4F27-8067-E72377D9E3EB}" type="datetimeFigureOut">
               <a:rPr lang="ko-KR" altLang="en-US" smtClean="0"/>
-              <a:t>2022-03-19-(Sat)</a:t>
+              <a:t>2022-03-20</a:t>
             </a:fld>
             <a:endParaRPr lang="ko-KR" altLang="en-US"/>
           </a:p>
@@ -2993,7 +2993,7 @@
           <a:p>
             <a:fld id="{A7ED0D47-21D1-4F27-8067-E72377D9E3EB}" type="datetimeFigureOut">
               <a:rPr lang="ko-KR" altLang="en-US" smtClean="0"/>
-              <a:t>2022-03-19-(Sat)</a:t>
+              <a:t>2022-03-20</a:t>
             </a:fld>
             <a:endParaRPr lang="ko-KR" altLang="en-US"/>
           </a:p>
@@ -3477,6 +3477,13 @@
   <p:clrMapOvr>
     <a:masterClrMapping/>
   </p:clrMapOvr>
+  <p:timing>
+    <p:tnLst>
+      <p:par>
+        <p:cTn id="1" dur="indefinite" restart="never" nodeType="tmRoot"/>
+      </p:par>
+    </p:tnLst>
+  </p:timing>
 </p:sld>
 </file>
 
@@ -4143,7 +4150,15 @@
           <a:p>
             <a:r>
               <a:rPr lang="ko-KR" altLang="en-US"/>
-              <a:t>메인 페이지의 구성과 페이지 이동 동선</a:t>
+              <a:t>메인 페이지의 </a:t>
+            </a:r>
+            <a:r>
+              <a:rPr lang="ko-KR" altLang="en-US" smtClean="0"/>
+              <a:t>구성과 </a:t>
+            </a:r>
+            <a:r>
+              <a:rPr lang="ko-KR" altLang="en-US"/>
+              <a:t>페이지 이동 동선</a:t>
             </a:r>
           </a:p>
         </p:txBody>
@@ -4615,6 +4630,13 @@
   <p:clrMapOvr>
     <a:masterClrMapping/>
   </p:clrMapOvr>
+  <p:timing>
+    <p:tnLst>
+      <p:par>
+        <p:cTn id="1" dur="indefinite" restart="never" nodeType="tmRoot"/>
+      </p:par>
+    </p:tnLst>
+  </p:timing>
 </p:sld>
 </file>
 
@@ -5411,7 +5433,7 @@
         </p:nvSpPr>
         <p:spPr>
           <a:xfrm>
-            <a:off x="8977731" y="1721958"/>
+            <a:off x="6980358" y="1721958"/>
             <a:ext cx="974816" cy="413657"/>
           </a:xfrm>
           <a:prstGeom prst="rect">
@@ -5460,7 +5482,7 @@
         </p:nvSpPr>
         <p:spPr>
           <a:xfrm>
-            <a:off x="7323980" y="1721958"/>
+            <a:off x="8435619" y="1711872"/>
             <a:ext cx="1245054" cy="413657"/>
           </a:xfrm>
           <a:prstGeom prst="rect">
@@ -5745,15 +5767,15 @@
           </p:cNvPr>
           <p:cNvCxnSpPr>
             <a:cxnSpLocks/>
-            <a:stCxn id="9" idx="3"/>
+            <a:stCxn id="54" idx="3"/>
             <a:endCxn id="55" idx="1"/>
           </p:cNvCxnSpPr>
           <p:nvPr/>
         </p:nvCxnSpPr>
         <p:spPr>
-          <a:xfrm>
-            <a:off x="6427058" y="1928787"/>
-            <a:ext cx="896922" cy="0"/>
+          <a:xfrm flipV="1">
+            <a:off x="7955174" y="1918701"/>
+            <a:ext cx="480445" cy="10086"/>
           </a:xfrm>
           <a:prstGeom prst="straightConnector1">
             <a:avLst/>
@@ -5791,13 +5813,15 @@
           </p:cNvPr>
           <p:cNvCxnSpPr>
             <a:cxnSpLocks/>
+            <a:stCxn id="9" idx="3"/>
+            <a:endCxn id="54" idx="1"/>
           </p:cNvCxnSpPr>
           <p:nvPr/>
         </p:nvCxnSpPr>
         <p:spPr>
           <a:xfrm>
-            <a:off x="8569034" y="1942786"/>
-            <a:ext cx="408697" cy="0"/>
+            <a:off x="6427058" y="1928787"/>
+            <a:ext cx="553300" cy="0"/>
           </a:xfrm>
           <a:prstGeom prst="straightConnector1">
             <a:avLst/>
@@ -6072,7 +6096,7 @@
         <p:spPr>
           <a:xfrm>
             <a:off x="209006" y="269965"/>
-            <a:ext cx="7066358" cy="369332"/>
+            <a:ext cx="4349268" cy="369332"/>
           </a:xfrm>
           <a:prstGeom prst="rect">
             <a:avLst/>
@@ -6086,12 +6110,16 @@
           <a:lstStyle/>
           <a:p>
             <a:r>
-              <a:rPr lang="en-US" altLang="ko-KR"/>
+              <a:rPr lang="en-US" altLang="ko-KR" smtClean="0"/>
               <a:t>Header</a:t>
             </a:r>
             <a:r>
-              <a:rPr lang="ko-KR" altLang="en-US"/>
-              <a:t>에 있는 메뉴의 구성과 메뉴로 갈 수 있는 페이지 이동 동선</a:t>
+              <a:rPr lang="ko-KR" altLang="en-US" smtClean="0"/>
+              <a:t> 메뉴의 구성과 페이지 </a:t>
+            </a:r>
+            <a:r>
+              <a:rPr lang="ko-KR" altLang="en-US"/>
+              <a:t>이동 동선</a:t>
             </a:r>
           </a:p>
         </p:txBody>
@@ -6241,7 +6269,7 @@
         </p:nvSpPr>
         <p:spPr>
           <a:xfrm>
-            <a:off x="7427027" y="1390759"/>
+            <a:off x="8538666" y="1380673"/>
             <a:ext cx="801823" cy="307777"/>
           </a:xfrm>
           <a:prstGeom prst="rect">
@@ -6277,7 +6305,7 @@
         </p:nvSpPr>
         <p:spPr>
           <a:xfrm>
-            <a:off x="9133157" y="1380673"/>
+            <a:off x="7135784" y="1380673"/>
             <a:ext cx="663964" cy="307777"/>
           </a:xfrm>
           <a:prstGeom prst="rect">
@@ -6286,7 +6314,7 @@
           <a:noFill/>
         </p:spPr>
         <p:txBody>
-          <a:bodyPr wrap="none" rtlCol="0">
+          <a:bodyPr wrap="square" rtlCol="0">
             <a:spAutoFit/>
           </a:bodyPr>
           <a:lstStyle/>
@@ -6705,6 +6733,13 @@
   <p:clrMapOvr>
     <a:masterClrMapping/>
   </p:clrMapOvr>
+  <p:timing>
+    <p:tnLst>
+      <p:par>
+        <p:cTn id="1" dur="indefinite" restart="never" nodeType="tmRoot"/>
+      </p:par>
+    </p:tnLst>
+  </p:timing>
 </p:sld>
 </file>
 
@@ -7968,7 +8003,15 @@
           <a:p>
             <a:r>
               <a:rPr lang="ko-KR" altLang="en-US"/>
-              <a:t>관리자 페이지의 구성과 기능</a:t>
+              <a:t>관리자 페이지의 </a:t>
+            </a:r>
+            <a:r>
+              <a:rPr lang="ko-KR" altLang="en-US" smtClean="0"/>
+              <a:t>구성과 </a:t>
+            </a:r>
+            <a:r>
+              <a:rPr lang="ko-KR" altLang="en-US"/>
+              <a:t>기능</a:t>
             </a:r>
           </a:p>
         </p:txBody>
@@ -8310,6 +8353,13 @@
   <p:clrMapOvr>
     <a:masterClrMapping/>
   </p:clrMapOvr>
+  <p:timing>
+    <p:tnLst>
+      <p:par>
+        <p:cTn id="1" dur="indefinite" restart="never" nodeType="tmRoot"/>
+      </p:par>
+    </p:tnLst>
+  </p:timing>
 </p:sld>
 </file>
 
@@ -8857,8 +8907,16 @@
           <a:p>
             <a:pPr algn="ctr"/>
             <a:r>
-              <a:rPr lang="ko-KR" altLang="en-US"/>
-              <a:t>역대 구독 상품 구성 보기</a:t>
+              <a:rPr lang="ko-KR" altLang="en-US" smtClean="0"/>
+              <a:t>과거 </a:t>
+            </a:r>
+            <a:r>
+              <a:rPr lang="ko-KR" altLang="en-US" smtClean="0"/>
+              <a:t>구독 </a:t>
+            </a:r>
+            <a:r>
+              <a:rPr lang="ko-KR" altLang="en-US"/>
+              <a:t>상품 구성 보기</a:t>
             </a:r>
           </a:p>
         </p:txBody>
@@ -8955,25 +9013,10 @@
           <a:p>
             <a:pPr algn="ctr"/>
             <a:r>
-              <a:rPr lang="ko-KR" altLang="en-US"/>
-              <a:t>구독으로 온</a:t>
+              <a:rPr lang="ko-KR" altLang="en-US" smtClean="0"/>
+              <a:t>배송 받은 상품에 대한 호불호 표시</a:t>
             </a:r>
             <a:endParaRPr lang="en-US" altLang="ko-KR"/>
-          </a:p>
-          <a:p>
-            <a:pPr algn="ctr"/>
-            <a:r>
-              <a:rPr lang="ko-KR" altLang="en-US"/>
-              <a:t>상품 중 싫고 좋은거 </a:t>
-            </a:r>
-            <a:endParaRPr lang="en-US" altLang="ko-KR"/>
-          </a:p>
-          <a:p>
-            <a:pPr algn="ctr"/>
-            <a:r>
-              <a:rPr lang="ko-KR" altLang="en-US"/>
-              <a:t>체크 하기 </a:t>
-            </a:r>
           </a:p>
         </p:txBody>
       </p:sp>
@@ -9419,6 +9462,13 @@
   <p:clrMapOvr>
     <a:masterClrMapping/>
   </p:clrMapOvr>
+  <p:timing>
+    <p:tnLst>
+      <p:par>
+        <p:cTn id="1" dur="indefinite" restart="never" nodeType="tmRoot"/>
+      </p:par>
+    </p:tnLst>
+  </p:timing>
 </p:sld>
 </file>
 
@@ -9712,6 +9762,13 @@
   <p:clrMapOvr>
     <a:masterClrMapping/>
   </p:clrMapOvr>
+  <p:timing>
+    <p:tnLst>
+      <p:par>
+        <p:cTn id="1" dur="indefinite" restart="never" nodeType="tmRoot"/>
+      </p:par>
+    </p:tnLst>
+  </p:timing>
 </p:sld>
 </file>
 
@@ -9996,6 +10053,13 @@
   <p:clrMapOvr>
     <a:masterClrMapping/>
   </p:clrMapOvr>
+  <p:timing>
+    <p:tnLst>
+      <p:par>
+        <p:cTn id="1" dur="indefinite" restart="never" nodeType="tmRoot"/>
+      </p:par>
+    </p:tnLst>
+  </p:timing>
 </p:sld>
 </file>
 
